--- a/addtl/wfh_recommender_pres.pptx
+++ b/addtl/wfh_recommender_pres.pptx
@@ -31566,7 +31566,7 @@
         <p:spPr>
           <a:xfrm>
             <a:off x="720000" y="1105779"/>
-            <a:ext cx="8030596" cy="3524042"/>
+            <a:ext cx="8030596" cy="3770263"/>
           </a:xfrm>
           <a:prstGeom prst="rect">
             <a:avLst/>
@@ -31603,7 +31603,7 @@
               <a:buChar char="•"/>
             </a:pPr>
             <a:r>
-              <a:rPr lang="en-US" sz="1600" dirty="0">
+              <a:rPr lang="en-US" sz="1800" dirty="0">
                 <a:latin typeface="Apple SD Gothic Neo Medium" panose="02000300000000000000" pitchFamily="2" charset="-127"/>
                 <a:ea typeface="Apple SD Gothic Neo Medium" panose="02000300000000000000" pitchFamily="2" charset="-127"/>
               </a:rPr>
@@ -31635,21 +31635,21 @@
               <a:buChar char="•"/>
             </a:pPr>
             <a:r>
-              <a:rPr lang="en-US" sz="1600" dirty="0">
+              <a:rPr lang="en-US" sz="1800" dirty="0">
                 <a:latin typeface="Apple SD Gothic Neo Medium" panose="02000300000000000000" pitchFamily="2" charset="-127"/>
                 <a:ea typeface="Apple SD Gothic Neo Medium" panose="02000300000000000000" pitchFamily="2" charset="-127"/>
               </a:rPr>
               <a:t>Run the words used in each listing name and description through Count Vectorizer/</a:t>
             </a:r>
             <a:r>
-              <a:rPr lang="en-US" sz="1600" dirty="0" err="1">
+              <a:rPr lang="en-US" sz="1800" dirty="0" err="1">
                 <a:latin typeface="Apple SD Gothic Neo Medium" panose="02000300000000000000" pitchFamily="2" charset="-127"/>
                 <a:ea typeface="Apple SD Gothic Neo Medium" panose="02000300000000000000" pitchFamily="2" charset="-127"/>
               </a:rPr>
               <a:t>Tfidf</a:t>
             </a:r>
             <a:r>
-              <a:rPr lang="en-US" sz="1600" dirty="0">
+              <a:rPr lang="en-US" sz="1800" dirty="0">
                 <a:latin typeface="Apple SD Gothic Neo Medium" panose="02000300000000000000" pitchFamily="2" charset="-127"/>
                 <a:ea typeface="Apple SD Gothic Neo Medium" panose="02000300000000000000" pitchFamily="2" charset="-127"/>
               </a:rPr>
@@ -31681,7 +31681,7 @@
               <a:buChar char="•"/>
             </a:pPr>
             <a:r>
-              <a:rPr lang="en-US" sz="1600" dirty="0">
+              <a:rPr lang="en-US" sz="1800" dirty="0">
                 <a:latin typeface="Apple SD Gothic Neo Medium" panose="02000300000000000000" pitchFamily="2" charset="-127"/>
                 <a:ea typeface="Apple SD Gothic Neo Medium" panose="02000300000000000000" pitchFamily="2" charset="-127"/>
               </a:rPr>

--- a/addtl/wfh_recommender_pres.pptx
+++ b/addtl/wfh_recommender_pres.pptx
@@ -10,8 +10,8 @@
   <p:sldIdLst>
     <p:sldId id="256" r:id="rId2"/>
     <p:sldId id="258" r:id="rId3"/>
-    <p:sldId id="313" r:id="rId4"/>
-    <p:sldId id="315" r:id="rId5"/>
+    <p:sldId id="315" r:id="rId4"/>
+    <p:sldId id="364" r:id="rId5"/>
     <p:sldId id="260" r:id="rId6"/>
     <p:sldId id="319" r:id="rId7"/>
     <p:sldId id="322" r:id="rId8"/>
@@ -3234,7 +3234,7 @@
     </p:spTree>
     <p:extLst>
       <p:ext uri="{BB962C8B-B14F-4D97-AF65-F5344CB8AC3E}">
-        <p14:creationId xmlns:p14="http://schemas.microsoft.com/office/powerpoint/2010/main" val="1598930294"/>
+        <p14:creationId xmlns:p14="http://schemas.microsoft.com/office/powerpoint/2010/main" val="1565166916"/>
       </p:ext>
     </p:extLst>
   </p:cSld>
@@ -4433,7 +4433,7 @@
     </p:spTree>
     <p:extLst>
       <p:ext uri="{BB962C8B-B14F-4D97-AF65-F5344CB8AC3E}">
-        <p14:creationId xmlns:p14="http://schemas.microsoft.com/office/powerpoint/2010/main" val="1565166916"/>
+        <p14:creationId xmlns:p14="http://schemas.microsoft.com/office/powerpoint/2010/main" val="939670620"/>
       </p:ext>
     </p:extLst>
   </p:cSld>
@@ -13257,26 +13257,7 @@
                 <a:latin typeface="APPLE SD GOTHIC NEO HEAVY" panose="02000300000000000000" pitchFamily="2" charset="-127"/>
                 <a:ea typeface="APPLE SD GOTHIC NEO HEAVY" panose="02000300000000000000" pitchFamily="2" charset="-127"/>
               </a:rPr>
-              <a:t>WFH RECOMMENDER</a:t>
-            </a:r>
-            <a:br>
-              <a:rPr lang="en" dirty="0">
-                <a:solidFill>
-                  <a:schemeClr val="dk1"/>
-                </a:solidFill>
-                <a:latin typeface="APPLE SD GOTHIC NEO HEAVY" panose="02000300000000000000" pitchFamily="2" charset="-127"/>
-                <a:ea typeface="APPLE SD GOTHIC NEO HEAVY" panose="02000300000000000000" pitchFamily="2" charset="-127"/>
-              </a:rPr>
-            </a:br>
-            <a:r>
-              <a:rPr lang="en" dirty="0">
-                <a:solidFill>
-                  <a:schemeClr val="dk1"/>
-                </a:solidFill>
-                <a:latin typeface="APPLE SD GOTHIC NEO HEAVY" panose="02000300000000000000" pitchFamily="2" charset="-127"/>
-                <a:ea typeface="APPLE SD GOTHIC NEO HEAVY" panose="02000300000000000000" pitchFamily="2" charset="-127"/>
-              </a:rPr>
-              <a:t>TITLE PLACEHOLDER</a:t>
+              <a:t>REMOTE WORK LOCATION RECOMMENDER</a:t>
             </a:r>
             <a:endParaRPr dirty="0">
               <a:solidFill>
@@ -20494,7 +20475,7 @@
         </p:nvSpPr>
         <p:spPr>
           <a:xfrm>
-            <a:off x="393237" y="-34204"/>
+            <a:off x="263853" y="0"/>
             <a:ext cx="8616291" cy="572700"/>
           </a:xfrm>
           <a:prstGeom prst="rect">
@@ -20758,14 +20739,14 @@
           </a:lstStyle>
           <a:p>
             <a:r>
-              <a:rPr lang="en-US" sz="2400" b="1" dirty="0">
+              <a:rPr lang="en-US" sz="2200" b="1" dirty="0">
                 <a:solidFill>
                   <a:schemeClr val="tx1"/>
                 </a:solidFill>
                 <a:latin typeface="Apple SD Gothic Neo Heavy" panose="02000300000000000000" pitchFamily="2" charset="-127"/>
                 <a:ea typeface="Apple SD Gothic Neo Heavy" panose="02000300000000000000" pitchFamily="2" charset="-127"/>
               </a:rPr>
-              <a:t>WHICH LOCATIONS HAVE THE HIGHEST COSTS OF LIVING?</a:t>
+              <a:t>WHICH LOCATIONS HAVE THE HIGHEST WALKABILITY INDICES?</a:t>
             </a:r>
           </a:p>
         </p:txBody>
@@ -20786,14 +20767,13 @@
         </p:nvPicPr>
         <p:blipFill>
           <a:blip r:embed="rId3"/>
-          <a:stretch>
-            <a:fillRect/>
-          </a:stretch>
+          <a:srcRect/>
+          <a:stretch/>
         </p:blipFill>
         <p:spPr>
           <a:xfrm>
-            <a:off x="972677" y="478465"/>
-            <a:ext cx="7198645" cy="4526044"/>
+            <a:off x="972677" y="481848"/>
+            <a:ext cx="7198645" cy="4519277"/>
           </a:xfrm>
           <a:prstGeom prst="rect">
             <a:avLst/>
@@ -20846,7 +20826,7 @@
         </p:nvSpPr>
         <p:spPr>
           <a:xfrm>
-            <a:off x="393237" y="-34204"/>
+            <a:off x="331089" y="0"/>
             <a:ext cx="8481821" cy="572700"/>
           </a:xfrm>
           <a:prstGeom prst="rect">
@@ -21110,14 +21090,14 @@
           </a:lstStyle>
           <a:p>
             <a:r>
-              <a:rPr lang="en-US" sz="2400" b="1" dirty="0">
+              <a:rPr lang="en-US" sz="2200" b="1" dirty="0">
                 <a:solidFill>
                   <a:schemeClr val="tx1"/>
                 </a:solidFill>
                 <a:latin typeface="Apple SD Gothic Neo Heavy" panose="02000300000000000000" pitchFamily="2" charset="-127"/>
                 <a:ea typeface="Apple SD Gothic Neo Heavy" panose="02000300000000000000" pitchFamily="2" charset="-127"/>
               </a:rPr>
-              <a:t>WHICH LOCATIONS HAVE THE LOWEST COSTS OF LIVING?</a:t>
+              <a:t>WHICH LOCATIONS HAVE THE LOWEST WALKABILITY INDICES?</a:t>
             </a:r>
           </a:p>
         </p:txBody>
@@ -21143,8 +21123,8 @@
         </p:blipFill>
         <p:spPr>
           <a:xfrm>
-            <a:off x="922866" y="426809"/>
-            <a:ext cx="7298268" cy="4633633"/>
+            <a:off x="958238" y="426809"/>
+            <a:ext cx="7227524" cy="4633633"/>
           </a:xfrm>
           <a:prstGeom prst="rect">
             <a:avLst/>
@@ -24089,13 +24069,17 @@
       </p:grpSpPr>
       <p:sp>
         <p:nvSpPr>
-          <p:cNvPr id="485" name="Google Shape;485;p41"/>
+          <p:cNvPr id="4" name="Google Shape;485;p41">
+            <a:extLst>
+              <a:ext uri="{FF2B5EF4-FFF2-40B4-BE49-F238E27FC236}">
+                <a16:creationId xmlns:a16="http://schemas.microsoft.com/office/drawing/2014/main" id="{BCD56E8A-E710-BD25-1E3E-072604222BBA}"/>
+              </a:ext>
+            </a:extLst>
+          </p:cNvPr>
           <p:cNvSpPr txBox="1">
-            <a:spLocks noGrp="1"/>
+            <a:spLocks/>
           </p:cNvSpPr>
-          <p:nvPr>
-            <p:ph type="title" idx="15"/>
-          </p:nvPr>
+          <p:nvPr/>
         </p:nvSpPr>
         <p:spPr>
           <a:xfrm>
@@ -24105,48 +24089,282 @@
           <a:prstGeom prst="rect">
             <a:avLst/>
           </a:prstGeom>
+          <a:noFill/>
+          <a:ln>
+            <a:noFill/>
+          </a:ln>
         </p:spPr>
         <p:txBody>
           <a:bodyPr spcFirstLastPara="1" wrap="square" lIns="91425" tIns="91425" rIns="91425" bIns="91425" anchor="ctr" anchorCtr="0">
             <a:noAutofit/>
           </a:bodyPr>
-          <a:lstStyle/>
+          <a:lstStyle>
+            <a:defPPr marR="0" lvl="0" algn="l" rtl="0">
+              <a:lnSpc>
+                <a:spcPct val="100000"/>
+              </a:lnSpc>
+              <a:spcBef>
+                <a:spcPts val="0"/>
+              </a:spcBef>
+              <a:spcAft>
+                <a:spcPts val="0"/>
+              </a:spcAft>
+            </a:defPPr>
+            <a:lvl1pPr marR="0" lvl="0" algn="l" rtl="0">
+              <a:lnSpc>
+                <a:spcPct val="100000"/>
+              </a:lnSpc>
+              <a:spcBef>
+                <a:spcPts val="0"/>
+              </a:spcBef>
+              <a:spcAft>
+                <a:spcPts val="0"/>
+              </a:spcAft>
+              <a:buClr>
+                <a:schemeClr val="accent1"/>
+              </a:buClr>
+              <a:buSzPts val="2800"/>
+              <a:buFont typeface="Fugaz One"/>
+              <a:buNone/>
+              <a:defRPr sz="2800" b="0" i="0" u="none" strike="noStrike" cap="none">
+                <a:solidFill>
+                  <a:schemeClr val="accent1"/>
+                </a:solidFill>
+                <a:latin typeface="Fugaz One"/>
+                <a:ea typeface="Fugaz One"/>
+                <a:cs typeface="Fugaz One"/>
+                <a:sym typeface="Fugaz One"/>
+              </a:defRPr>
+            </a:lvl1pPr>
+            <a:lvl2pPr marR="0" lvl="1" algn="l" rtl="0">
+              <a:lnSpc>
+                <a:spcPct val="100000"/>
+              </a:lnSpc>
+              <a:spcBef>
+                <a:spcPts val="0"/>
+              </a:spcBef>
+              <a:spcAft>
+                <a:spcPts val="0"/>
+              </a:spcAft>
+              <a:buClr>
+                <a:schemeClr val="dk1"/>
+              </a:buClr>
+              <a:buSzPts val="2800"/>
+              <a:buFont typeface="Arial"/>
+              <a:buNone/>
+              <a:defRPr sz="2800" b="0" i="0" u="none" strike="noStrike" cap="none">
+                <a:solidFill>
+                  <a:schemeClr val="dk1"/>
+                </a:solidFill>
+                <a:latin typeface="Arial"/>
+                <a:ea typeface="Arial"/>
+                <a:cs typeface="Arial"/>
+                <a:sym typeface="Arial"/>
+              </a:defRPr>
+            </a:lvl2pPr>
+            <a:lvl3pPr marR="0" lvl="2" algn="l" rtl="0">
+              <a:lnSpc>
+                <a:spcPct val="100000"/>
+              </a:lnSpc>
+              <a:spcBef>
+                <a:spcPts val="0"/>
+              </a:spcBef>
+              <a:spcAft>
+                <a:spcPts val="0"/>
+              </a:spcAft>
+              <a:buClr>
+                <a:schemeClr val="dk1"/>
+              </a:buClr>
+              <a:buSzPts val="2800"/>
+              <a:buFont typeface="Arial"/>
+              <a:buNone/>
+              <a:defRPr sz="2800" b="0" i="0" u="none" strike="noStrike" cap="none">
+                <a:solidFill>
+                  <a:schemeClr val="dk1"/>
+                </a:solidFill>
+                <a:latin typeface="Arial"/>
+                <a:ea typeface="Arial"/>
+                <a:cs typeface="Arial"/>
+                <a:sym typeface="Arial"/>
+              </a:defRPr>
+            </a:lvl3pPr>
+            <a:lvl4pPr marR="0" lvl="3" algn="l" rtl="0">
+              <a:lnSpc>
+                <a:spcPct val="100000"/>
+              </a:lnSpc>
+              <a:spcBef>
+                <a:spcPts val="0"/>
+              </a:spcBef>
+              <a:spcAft>
+                <a:spcPts val="0"/>
+              </a:spcAft>
+              <a:buClr>
+                <a:schemeClr val="dk1"/>
+              </a:buClr>
+              <a:buSzPts val="2800"/>
+              <a:buFont typeface="Arial"/>
+              <a:buNone/>
+              <a:defRPr sz="2800" b="0" i="0" u="none" strike="noStrike" cap="none">
+                <a:solidFill>
+                  <a:schemeClr val="dk1"/>
+                </a:solidFill>
+                <a:latin typeface="Arial"/>
+                <a:ea typeface="Arial"/>
+                <a:cs typeface="Arial"/>
+                <a:sym typeface="Arial"/>
+              </a:defRPr>
+            </a:lvl4pPr>
+            <a:lvl5pPr marR="0" lvl="4" algn="l" rtl="0">
+              <a:lnSpc>
+                <a:spcPct val="100000"/>
+              </a:lnSpc>
+              <a:spcBef>
+                <a:spcPts val="0"/>
+              </a:spcBef>
+              <a:spcAft>
+                <a:spcPts val="0"/>
+              </a:spcAft>
+              <a:buClr>
+                <a:schemeClr val="dk1"/>
+              </a:buClr>
+              <a:buSzPts val="2800"/>
+              <a:buFont typeface="Arial"/>
+              <a:buNone/>
+              <a:defRPr sz="2800" b="0" i="0" u="none" strike="noStrike" cap="none">
+                <a:solidFill>
+                  <a:schemeClr val="dk1"/>
+                </a:solidFill>
+                <a:latin typeface="Arial"/>
+                <a:ea typeface="Arial"/>
+                <a:cs typeface="Arial"/>
+                <a:sym typeface="Arial"/>
+              </a:defRPr>
+            </a:lvl5pPr>
+            <a:lvl6pPr marR="0" lvl="5" algn="l" rtl="0">
+              <a:lnSpc>
+                <a:spcPct val="100000"/>
+              </a:lnSpc>
+              <a:spcBef>
+                <a:spcPts val="0"/>
+              </a:spcBef>
+              <a:spcAft>
+                <a:spcPts val="0"/>
+              </a:spcAft>
+              <a:buClr>
+                <a:schemeClr val="dk1"/>
+              </a:buClr>
+              <a:buSzPts val="2800"/>
+              <a:buFont typeface="Arial"/>
+              <a:buNone/>
+              <a:defRPr sz="2800" b="0" i="0" u="none" strike="noStrike" cap="none">
+                <a:solidFill>
+                  <a:schemeClr val="dk1"/>
+                </a:solidFill>
+                <a:latin typeface="Arial"/>
+                <a:ea typeface="Arial"/>
+                <a:cs typeface="Arial"/>
+                <a:sym typeface="Arial"/>
+              </a:defRPr>
+            </a:lvl6pPr>
+            <a:lvl7pPr marR="0" lvl="6" algn="l" rtl="0">
+              <a:lnSpc>
+                <a:spcPct val="100000"/>
+              </a:lnSpc>
+              <a:spcBef>
+                <a:spcPts val="0"/>
+              </a:spcBef>
+              <a:spcAft>
+                <a:spcPts val="0"/>
+              </a:spcAft>
+              <a:buClr>
+                <a:schemeClr val="dk1"/>
+              </a:buClr>
+              <a:buSzPts val="2800"/>
+              <a:buFont typeface="Arial"/>
+              <a:buNone/>
+              <a:defRPr sz="2800" b="0" i="0" u="none" strike="noStrike" cap="none">
+                <a:solidFill>
+                  <a:schemeClr val="dk1"/>
+                </a:solidFill>
+                <a:latin typeface="Arial"/>
+                <a:ea typeface="Arial"/>
+                <a:cs typeface="Arial"/>
+                <a:sym typeface="Arial"/>
+              </a:defRPr>
+            </a:lvl7pPr>
+            <a:lvl8pPr marR="0" lvl="7" algn="l" rtl="0">
+              <a:lnSpc>
+                <a:spcPct val="100000"/>
+              </a:lnSpc>
+              <a:spcBef>
+                <a:spcPts val="0"/>
+              </a:spcBef>
+              <a:spcAft>
+                <a:spcPts val="0"/>
+              </a:spcAft>
+              <a:buClr>
+                <a:schemeClr val="dk1"/>
+              </a:buClr>
+              <a:buSzPts val="2800"/>
+              <a:buFont typeface="Arial"/>
+              <a:buNone/>
+              <a:defRPr sz="2800" b="0" i="0" u="none" strike="noStrike" cap="none">
+                <a:solidFill>
+                  <a:schemeClr val="dk1"/>
+                </a:solidFill>
+                <a:latin typeface="Arial"/>
+                <a:ea typeface="Arial"/>
+                <a:cs typeface="Arial"/>
+                <a:sym typeface="Arial"/>
+              </a:defRPr>
+            </a:lvl8pPr>
+            <a:lvl9pPr marR="0" lvl="8" algn="l" rtl="0">
+              <a:lnSpc>
+                <a:spcPct val="100000"/>
+              </a:lnSpc>
+              <a:spcBef>
+                <a:spcPts val="0"/>
+              </a:spcBef>
+              <a:spcAft>
+                <a:spcPts val="0"/>
+              </a:spcAft>
+              <a:buClr>
+                <a:schemeClr val="dk1"/>
+              </a:buClr>
+              <a:buSzPts val="2800"/>
+              <a:buFont typeface="Arial"/>
+              <a:buNone/>
+              <a:defRPr sz="2800" b="0" i="0" u="none" strike="noStrike" cap="none">
+                <a:solidFill>
+                  <a:schemeClr val="dk1"/>
+                </a:solidFill>
+                <a:latin typeface="Arial"/>
+                <a:ea typeface="Arial"/>
+                <a:cs typeface="Arial"/>
+                <a:sym typeface="Arial"/>
+              </a:defRPr>
+            </a:lvl9pPr>
+          </a:lstStyle>
           <a:p>
-            <a:pPr marL="0" lvl="0" indent="0" algn="l" rtl="0">
-              <a:spcBef>
-                <a:spcPts val="0"/>
-              </a:spcBef>
-              <a:spcAft>
-                <a:spcPts val="0"/>
-              </a:spcAft>
-              <a:buNone/>
-            </a:pPr>
             <a:r>
-              <a:rPr lang="en" sz="3600" dirty="0">
+              <a:rPr lang="en-US" sz="3600" b="1" dirty="0">
                 <a:solidFill>
                   <a:schemeClr val="tx1"/>
                 </a:solidFill>
-                <a:latin typeface="APPLE SD GOTHIC NEO HEAVY" panose="02000300000000000000" pitchFamily="2" charset="-127"/>
-                <a:ea typeface="APPLE SD GOTHIC NEO HEAVY" panose="02000300000000000000" pitchFamily="2" charset="-127"/>
+                <a:latin typeface="Apple SD Gothic Neo Heavy" panose="02000300000000000000" pitchFamily="2" charset="-127"/>
+                <a:ea typeface="Apple SD Gothic Neo Heavy" panose="02000300000000000000" pitchFamily="2" charset="-127"/>
               </a:rPr>
-              <a:t>BACKGROUND</a:t>
+              <a:t>PROBLEM STATEMENT</a:t>
             </a:r>
-            <a:endParaRPr sz="3600" dirty="0">
-              <a:solidFill>
-                <a:schemeClr val="tx1"/>
-              </a:solidFill>
-              <a:latin typeface="APPLE SD GOTHIC NEO HEAVY" panose="02000300000000000000" pitchFamily="2" charset="-127"/>
-              <a:ea typeface="APPLE SD GOTHIC NEO HEAVY" panose="02000300000000000000" pitchFamily="2" charset="-127"/>
-            </a:endParaRPr>
           </a:p>
         </p:txBody>
       </p:sp>
       <p:sp>
         <p:nvSpPr>
-          <p:cNvPr id="29" name="TextBox 28">
+          <p:cNvPr id="2" name="TextBox 1">
             <a:extLst>
               <a:ext uri="{FF2B5EF4-FFF2-40B4-BE49-F238E27FC236}">
-                <a16:creationId xmlns:a16="http://schemas.microsoft.com/office/drawing/2014/main" id="{43DFB6A1-4734-4A32-9C4D-59F9A533C878}"/>
+                <a16:creationId xmlns:a16="http://schemas.microsoft.com/office/drawing/2014/main" id="{1567E811-09F2-4D2B-64B3-03DD5F9DDA0D}"/>
               </a:ext>
             </a:extLst>
           </p:cNvPr>
@@ -24155,8 +24373,8 @@
         </p:nvSpPr>
         <p:spPr>
           <a:xfrm>
-            <a:off x="720000" y="1275907"/>
-            <a:ext cx="4976037" cy="307777"/>
+            <a:off x="720000" y="1110369"/>
+            <a:ext cx="7419953" cy="1631216"/>
           </a:xfrm>
           <a:prstGeom prst="rect">
             <a:avLst/>
@@ -24170,12 +24388,29 @@
           <a:lstStyle/>
           <a:p>
             <a:r>
-              <a:rPr lang="en-US" dirty="0">
-                <a:latin typeface="Lato" panose="020F0502020204030203" pitchFamily="34" charset="0"/>
-                <a:ea typeface="Lato" panose="020F0502020204030203" pitchFamily="34" charset="0"/>
+              <a:rPr lang="en-US" sz="2000" dirty="0">
+                <a:latin typeface="Apple SD Gothic Neo Heavy" panose="02000300000000000000" pitchFamily="2" charset="-127"/>
+                <a:ea typeface="Apple SD Gothic Neo Heavy" panose="02000300000000000000" pitchFamily="2" charset="-127"/>
                 <a:cs typeface="Lato" panose="020F0502020204030203" pitchFamily="34" charset="0"/>
               </a:rPr>
-              <a:t>SOME BACKGROUND</a:t>
+              <a:t>I work at ABC Marketing, Inc. and we just signed Airbnb as our latest client.</a:t>
+            </a:r>
+          </a:p>
+          <a:p>
+            <a:endParaRPr lang="en-US" sz="2000" dirty="0">
+              <a:latin typeface="Apple SD Gothic Neo Heavy" panose="02000300000000000000" pitchFamily="2" charset="-127"/>
+              <a:ea typeface="Apple SD Gothic Neo Heavy" panose="02000300000000000000" pitchFamily="2" charset="-127"/>
+              <a:cs typeface="Lato" panose="020F0502020204030203" pitchFamily="34" charset="0"/>
+            </a:endParaRPr>
+          </a:p>
+          <a:p>
+            <a:r>
+              <a:rPr lang="en-US" sz="2000" dirty="0">
+                <a:latin typeface="Apple SD Gothic Neo Heavy" panose="02000300000000000000" pitchFamily="2" charset="-127"/>
+                <a:ea typeface="Apple SD Gothic Neo Heavy" panose="02000300000000000000" pitchFamily="2" charset="-127"/>
+                <a:cs typeface="Lato" panose="020F0502020204030203" pitchFamily="34" charset="0"/>
+              </a:rPr>
+              <a:t>They’ve asked us to build a web application that is easy to use and will drive repeat traffic to their website.</a:t>
             </a:r>
           </a:p>
         </p:txBody>
@@ -24183,7 +24418,7 @@
     </p:spTree>
     <p:extLst>
       <p:ext uri="{BB962C8B-B14F-4D97-AF65-F5344CB8AC3E}">
-        <p14:creationId xmlns:p14="http://schemas.microsoft.com/office/powerpoint/2010/main" val="3894115770"/>
+        <p14:creationId xmlns:p14="http://schemas.microsoft.com/office/powerpoint/2010/main" val="3740740687"/>
       </p:ext>
     </p:extLst>
   </p:cSld>
@@ -29025,10 +29260,10 @@
       </p:sp>
       <p:sp>
         <p:nvSpPr>
-          <p:cNvPr id="6" name="TextBox 5">
+          <p:cNvPr id="2" name="TextBox 1">
             <a:extLst>
               <a:ext uri="{FF2B5EF4-FFF2-40B4-BE49-F238E27FC236}">
-                <a16:creationId xmlns:a16="http://schemas.microsoft.com/office/drawing/2014/main" id="{EB0BE946-273F-0838-5EC6-FF8F65913758}"/>
+                <a16:creationId xmlns:a16="http://schemas.microsoft.com/office/drawing/2014/main" id="{1567E811-09F2-4D2B-64B3-03DD5F9DDA0D}"/>
               </a:ext>
             </a:extLst>
           </p:cNvPr>
@@ -29037,8 +29272,8 @@
         </p:nvSpPr>
         <p:spPr>
           <a:xfrm>
-            <a:off x="850605" y="1127051"/>
-            <a:ext cx="5316279" cy="307777"/>
+            <a:off x="720000" y="1110369"/>
+            <a:ext cx="7419953" cy="3477875"/>
           </a:xfrm>
           <a:prstGeom prst="rect">
             <a:avLst/>
@@ -29052,12 +29287,46 @@
           <a:lstStyle/>
           <a:p>
             <a:r>
-              <a:rPr lang="en-US" dirty="0">
-                <a:latin typeface="Lato" panose="020F0502020204030203" pitchFamily="34" charset="0"/>
-                <a:ea typeface="Lato" panose="020F0502020204030203" pitchFamily="34" charset="0"/>
+              <a:rPr lang="en-US" sz="2000" dirty="0">
+                <a:latin typeface="Apple SD Gothic Neo Heavy" panose="02000300000000000000" pitchFamily="2" charset="-127"/>
+                <a:ea typeface="Apple SD Gothic Neo Heavy" panose="02000300000000000000" pitchFamily="2" charset="-127"/>
                 <a:cs typeface="Lato" panose="020F0502020204030203" pitchFamily="34" charset="0"/>
               </a:rPr>
-              <a:t>SOME TEXT</a:t>
+              <a:t>I work at ABC Marketing, Inc. and we just signed Airbnb as our latest client.</a:t>
+            </a:r>
+          </a:p>
+          <a:p>
+            <a:endParaRPr lang="en-US" sz="2000" dirty="0">
+              <a:latin typeface="Apple SD Gothic Neo Heavy" panose="02000300000000000000" pitchFamily="2" charset="-127"/>
+              <a:ea typeface="Apple SD Gothic Neo Heavy" panose="02000300000000000000" pitchFamily="2" charset="-127"/>
+              <a:cs typeface="Lato" panose="020F0502020204030203" pitchFamily="34" charset="0"/>
+            </a:endParaRPr>
+          </a:p>
+          <a:p>
+            <a:r>
+              <a:rPr lang="en-US" sz="2000" dirty="0">
+                <a:latin typeface="Apple SD Gothic Neo Heavy" panose="02000300000000000000" pitchFamily="2" charset="-127"/>
+                <a:ea typeface="Apple SD Gothic Neo Heavy" panose="02000300000000000000" pitchFamily="2" charset="-127"/>
+                <a:cs typeface="Lato" panose="020F0502020204030203" pitchFamily="34" charset="0"/>
+              </a:rPr>
+              <a:t>They’ve asked us to build a web application that is easy to use and will drive repeat traffic to their website.</a:t>
+            </a:r>
+          </a:p>
+          <a:p>
+            <a:endParaRPr lang="en-US" sz="2000" dirty="0">
+              <a:latin typeface="Apple SD Gothic Neo Heavy" panose="02000300000000000000" pitchFamily="2" charset="-127"/>
+              <a:ea typeface="Apple SD Gothic Neo Heavy" panose="02000300000000000000" pitchFamily="2" charset="-127"/>
+              <a:cs typeface="Lato" panose="020F0502020204030203" pitchFamily="34" charset="0"/>
+            </a:endParaRPr>
+          </a:p>
+          <a:p>
+            <a:r>
+              <a:rPr lang="en-US" sz="2000" dirty="0">
+                <a:latin typeface="Apple SD Gothic Neo Heavy" panose="02000300000000000000" pitchFamily="2" charset="-127"/>
+                <a:ea typeface="Apple SD Gothic Neo Heavy" panose="02000300000000000000" pitchFamily="2" charset="-127"/>
+                <a:cs typeface="Lato" panose="020F0502020204030203" pitchFamily="34" charset="0"/>
+              </a:rPr>
+              <a:t>Given that Forbes has projected 25% of all professional jobs in North America will be remote by the end of 2022, our goal is to create a ready-for-launch remote work location recommendation system that drives users directly to Airbnb’s page.</a:t>
             </a:r>
           </a:p>
         </p:txBody>
@@ -29065,7 +29334,7 @@
     </p:spTree>
     <p:extLst>
       <p:ext uri="{BB962C8B-B14F-4D97-AF65-F5344CB8AC3E}">
-        <p14:creationId xmlns:p14="http://schemas.microsoft.com/office/powerpoint/2010/main" val="3740740687"/>
+        <p14:creationId xmlns:p14="http://schemas.microsoft.com/office/powerpoint/2010/main" val="2231194652"/>
       </p:ext>
     </p:extLst>
   </p:cSld>
@@ -30223,7 +30492,7 @@
         </p:nvSpPr>
         <p:spPr>
           <a:xfrm>
-            <a:off x="720000" y="1073883"/>
+            <a:off x="720000" y="1038023"/>
             <a:ext cx="7605293" cy="1308050"/>
           </a:xfrm>
           <a:prstGeom prst="rect">
@@ -30626,7 +30895,7 @@
         </p:nvSpPr>
         <p:spPr>
           <a:xfrm>
-            <a:off x="720000" y="1073883"/>
+            <a:off x="720000" y="1038023"/>
             <a:ext cx="7605293" cy="2626360"/>
           </a:xfrm>
           <a:prstGeom prst="rect">
@@ -31081,8 +31350,8 @@
         </p:nvSpPr>
         <p:spPr>
           <a:xfrm>
-            <a:off x="720000" y="1073883"/>
-            <a:ext cx="7605293" cy="3262432"/>
+            <a:off x="720000" y="1038023"/>
+            <a:ext cx="7605293" cy="4093428"/>
           </a:xfrm>
           <a:prstGeom prst="rect">
             <a:avLst/>
@@ -31224,7 +31493,7 @@
                 <a:latin typeface="Apple SD Gothic Neo SemiBold" panose="02000300000000000000" pitchFamily="2" charset="-127"/>
                 <a:ea typeface="Apple SD Gothic Neo SemiBold" panose="02000300000000000000" pitchFamily="2" charset="-127"/>
               </a:rPr>
-              <a:t>Did I achieve the problem statement???</a:t>
+              <a:t>While we were able to build an application that provides and recommendation and directs users toward the Airbnb website, there are a few necessary revisions before presenting to the client and going to market</a:t>
             </a:r>
           </a:p>
         </p:txBody>
